--- a/PPTs/Object Oriented Programming Paradigm.pptx
+++ b/PPTs/Object Oriented Programming Paradigm.pptx
@@ -287,7 +287,7 @@
           <a:p>
             <a:fld id="{89086920-A79D-4B03-BBF7-665A6139505A}" type="datetimeFigureOut">
               <a:rPr lang="en-US" smtClean="0"/>
-              <a:t>8/23/2020</a:t>
+              <a:t>9/20/2024</a:t>
             </a:fld>
             <a:endParaRPr lang="en-US"/>
           </a:p>
@@ -1918,7 +1918,7 @@
           <a:p>
             <a:fld id="{DCBDA1EB-ACCF-4B5A-8403-BA609812C6A8}" type="datetimeFigureOut">
               <a:rPr lang="en-US" smtClean="0"/>
-              <a:t>8/23/2020</a:t>
+              <a:t>9/20/2024</a:t>
             </a:fld>
             <a:endParaRPr lang="en-US"/>
           </a:p>
@@ -2309,7 +2309,7 @@
           <a:p>
             <a:fld id="{DCBDA1EB-ACCF-4B5A-8403-BA609812C6A8}" type="datetimeFigureOut">
               <a:rPr lang="en-US" smtClean="0"/>
-              <a:t>8/23/2020</a:t>
+              <a:t>9/20/2024</a:t>
             </a:fld>
             <a:endParaRPr lang="en-US"/>
           </a:p>
@@ -2509,7 +2509,7 @@
           <a:p>
             <a:fld id="{DCBDA1EB-ACCF-4B5A-8403-BA609812C6A8}" type="datetimeFigureOut">
               <a:rPr lang="en-US" smtClean="0"/>
-              <a:t>8/23/2020</a:t>
+              <a:t>9/20/2024</a:t>
             </a:fld>
             <a:endParaRPr lang="en-US"/>
           </a:p>
@@ -2719,7 +2719,7 @@
           <a:p>
             <a:fld id="{DCBDA1EB-ACCF-4B5A-8403-BA609812C6A8}" type="datetimeFigureOut">
               <a:rPr lang="en-US" smtClean="0"/>
-              <a:t>8/23/2020</a:t>
+              <a:t>9/20/2024</a:t>
             </a:fld>
             <a:endParaRPr lang="en-US"/>
           </a:p>
@@ -2921,7 +2921,7 @@
           <a:p>
             <a:fld id="{DCBDA1EB-ACCF-4B5A-8403-BA609812C6A8}" type="datetimeFigureOut">
               <a:rPr lang="en-US" smtClean="0"/>
-              <a:t>8/23/2020</a:t>
+              <a:t>9/20/2024</a:t>
             </a:fld>
             <a:endParaRPr lang="en-US"/>
           </a:p>
@@ -3374,7 +3374,7 @@
           <a:p>
             <a:fld id="{DCBDA1EB-ACCF-4B5A-8403-BA609812C6A8}" type="datetimeFigureOut">
               <a:rPr lang="en-US" smtClean="0"/>
-              <a:t>8/23/2020</a:t>
+              <a:t>9/20/2024</a:t>
             </a:fld>
             <a:endParaRPr lang="en-US"/>
           </a:p>
@@ -3769,7 +3769,7 @@
           <a:p>
             <a:fld id="{DCBDA1EB-ACCF-4B5A-8403-BA609812C6A8}" type="datetimeFigureOut">
               <a:rPr lang="en-US" smtClean="0"/>
-              <a:t>8/23/2020</a:t>
+              <a:t>9/20/2024</a:t>
             </a:fld>
             <a:endParaRPr lang="en-US"/>
           </a:p>
@@ -4105,7 +4105,7 @@
           <a:p>
             <a:fld id="{DCBDA1EB-ACCF-4B5A-8403-BA609812C6A8}" type="datetimeFigureOut">
               <a:rPr lang="en-US" smtClean="0"/>
-              <a:t>8/23/2020</a:t>
+              <a:t>9/20/2024</a:t>
             </a:fld>
             <a:endParaRPr lang="en-US"/>
           </a:p>
@@ -4373,7 +4373,7 @@
           <a:p>
             <a:fld id="{DCBDA1EB-ACCF-4B5A-8403-BA609812C6A8}" type="datetimeFigureOut">
               <a:rPr lang="en-US" smtClean="0"/>
-              <a:t>8/23/2020</a:t>
+              <a:t>9/20/2024</a:t>
             </a:fld>
             <a:endParaRPr lang="en-US"/>
           </a:p>
@@ -4788,7 +4788,7 @@
           <a:p>
             <a:fld id="{DCBDA1EB-ACCF-4B5A-8403-BA609812C6A8}" type="datetimeFigureOut">
               <a:rPr lang="en-US" smtClean="0"/>
-              <a:t>8/23/2020</a:t>
+              <a:t>9/20/2024</a:t>
             </a:fld>
             <a:endParaRPr lang="en-US"/>
           </a:p>
@@ -4930,7 +4930,7 @@
           <a:p>
             <a:fld id="{DCBDA1EB-ACCF-4B5A-8403-BA609812C6A8}" type="datetimeFigureOut">
               <a:rPr lang="en-US" smtClean="0"/>
-              <a:t>8/23/2020</a:t>
+              <a:t>9/20/2024</a:t>
             </a:fld>
             <a:endParaRPr lang="en-US"/>
           </a:p>
@@ -5043,7 +5043,7 @@
           <a:p>
             <a:fld id="{DCBDA1EB-ACCF-4B5A-8403-BA609812C6A8}" type="datetimeFigureOut">
               <a:rPr lang="en-US" smtClean="0"/>
-              <a:t>8/23/2020</a:t>
+              <a:t>9/20/2024</a:t>
             </a:fld>
             <a:endParaRPr lang="en-US"/>
           </a:p>
@@ -5356,7 +5356,7 @@
           <a:p>
             <a:fld id="{DCBDA1EB-ACCF-4B5A-8403-BA609812C6A8}" type="datetimeFigureOut">
               <a:rPr lang="en-US" smtClean="0"/>
-              <a:t>8/23/2020</a:t>
+              <a:t>9/20/2024</a:t>
             </a:fld>
             <a:endParaRPr lang="en-US"/>
           </a:p>
@@ -5602,7 +5602,7 @@
           <a:p>
             <a:fld id="{DCBDA1EB-ACCF-4B5A-8403-BA609812C6A8}" type="datetimeFigureOut">
               <a:rPr lang="en-US" smtClean="0"/>
-              <a:t>8/23/2020</a:t>
+              <a:t>9/20/2024</a:t>
             </a:fld>
             <a:endParaRPr lang="en-US"/>
           </a:p>
@@ -8106,7 +8106,7 @@
             </a:br>
             <a:r>
               <a:rPr lang="en-US" sz="2800" i="0" dirty="0"/>
-              <a:t>title: "Behold a Pale Horse"</a:t>
+              <a:t>title: "Behold a Pale White Horse"</a:t>
             </a:r>
             <a:br>
               <a:rPr lang="en-US" sz="2800" i="0" dirty="0"/>
@@ -9905,8 +9905,8 @@
           </a:prstGeom>
         </p:spPr>
       </p:pic>
-      <mc:AlternateContent xmlns:mc="http://schemas.openxmlformats.org/markup-compatibility/2006">
-        <mc:Choice xmlns:p14="http://schemas.microsoft.com/office/powerpoint/2010/main" Requires="p14">
+      <mc:AlternateContent xmlns:mc="http://schemas.openxmlformats.org/markup-compatibility/2006" xmlns:p14="http://schemas.microsoft.com/office/powerpoint/2010/main">
+        <mc:Choice Requires="p14">
           <p:contentPart p14:bwMode="auto" r:id="rId3">
             <p14:nvContentPartPr>
               <p14:cNvPr id="5" name="Ink 4">
@@ -9925,7 +9925,7 @@
             </p14:xfrm>
           </p:contentPart>
         </mc:Choice>
-        <mc:Fallback>
+        <mc:Fallback xmlns="">
           <p:pic>
             <p:nvPicPr>
               <p:cNvPr id="5" name="Ink 4">

--- a/PPTs/Object Oriented Programming Paradigm.pptx
+++ b/PPTs/Object Oriented Programming Paradigm.pptx
@@ -287,7 +287,7 @@
           <a:p>
             <a:fld id="{89086920-A79D-4B03-BBF7-665A6139505A}" type="datetimeFigureOut">
               <a:rPr lang="en-US" smtClean="0"/>
-              <a:t>9/20/2024</a:t>
+              <a:t>9/26/2024</a:t>
             </a:fld>
             <a:endParaRPr lang="en-US"/>
           </a:p>
@@ -1918,7 +1918,7 @@
           <a:p>
             <a:fld id="{DCBDA1EB-ACCF-4B5A-8403-BA609812C6A8}" type="datetimeFigureOut">
               <a:rPr lang="en-US" smtClean="0"/>
-              <a:t>9/20/2024</a:t>
+              <a:t>9/26/2024</a:t>
             </a:fld>
             <a:endParaRPr lang="en-US"/>
           </a:p>
@@ -2309,7 +2309,7 @@
           <a:p>
             <a:fld id="{DCBDA1EB-ACCF-4B5A-8403-BA609812C6A8}" type="datetimeFigureOut">
               <a:rPr lang="en-US" smtClean="0"/>
-              <a:t>9/20/2024</a:t>
+              <a:t>9/26/2024</a:t>
             </a:fld>
             <a:endParaRPr lang="en-US"/>
           </a:p>
@@ -2509,7 +2509,7 @@
           <a:p>
             <a:fld id="{DCBDA1EB-ACCF-4B5A-8403-BA609812C6A8}" type="datetimeFigureOut">
               <a:rPr lang="en-US" smtClean="0"/>
-              <a:t>9/20/2024</a:t>
+              <a:t>9/26/2024</a:t>
             </a:fld>
             <a:endParaRPr lang="en-US"/>
           </a:p>
@@ -2719,7 +2719,7 @@
           <a:p>
             <a:fld id="{DCBDA1EB-ACCF-4B5A-8403-BA609812C6A8}" type="datetimeFigureOut">
               <a:rPr lang="en-US" smtClean="0"/>
-              <a:t>9/20/2024</a:t>
+              <a:t>9/26/2024</a:t>
             </a:fld>
             <a:endParaRPr lang="en-US"/>
           </a:p>
@@ -2921,7 +2921,7 @@
           <a:p>
             <a:fld id="{DCBDA1EB-ACCF-4B5A-8403-BA609812C6A8}" type="datetimeFigureOut">
               <a:rPr lang="en-US" smtClean="0"/>
-              <a:t>9/20/2024</a:t>
+              <a:t>9/26/2024</a:t>
             </a:fld>
             <a:endParaRPr lang="en-US"/>
           </a:p>
@@ -3374,7 +3374,7 @@
           <a:p>
             <a:fld id="{DCBDA1EB-ACCF-4B5A-8403-BA609812C6A8}" type="datetimeFigureOut">
               <a:rPr lang="en-US" smtClean="0"/>
-              <a:t>9/20/2024</a:t>
+              <a:t>9/26/2024</a:t>
             </a:fld>
             <a:endParaRPr lang="en-US"/>
           </a:p>
@@ -3769,7 +3769,7 @@
           <a:p>
             <a:fld id="{DCBDA1EB-ACCF-4B5A-8403-BA609812C6A8}" type="datetimeFigureOut">
               <a:rPr lang="en-US" smtClean="0"/>
-              <a:t>9/20/2024</a:t>
+              <a:t>9/26/2024</a:t>
             </a:fld>
             <a:endParaRPr lang="en-US"/>
           </a:p>
@@ -4105,7 +4105,7 @@
           <a:p>
             <a:fld id="{DCBDA1EB-ACCF-4B5A-8403-BA609812C6A8}" type="datetimeFigureOut">
               <a:rPr lang="en-US" smtClean="0"/>
-              <a:t>9/20/2024</a:t>
+              <a:t>9/26/2024</a:t>
             </a:fld>
             <a:endParaRPr lang="en-US"/>
           </a:p>
@@ -4373,7 +4373,7 @@
           <a:p>
             <a:fld id="{DCBDA1EB-ACCF-4B5A-8403-BA609812C6A8}" type="datetimeFigureOut">
               <a:rPr lang="en-US" smtClean="0"/>
-              <a:t>9/20/2024</a:t>
+              <a:t>9/26/2024</a:t>
             </a:fld>
             <a:endParaRPr lang="en-US"/>
           </a:p>
@@ -4788,7 +4788,7 @@
           <a:p>
             <a:fld id="{DCBDA1EB-ACCF-4B5A-8403-BA609812C6A8}" type="datetimeFigureOut">
               <a:rPr lang="en-US" smtClean="0"/>
-              <a:t>9/20/2024</a:t>
+              <a:t>9/26/2024</a:t>
             </a:fld>
             <a:endParaRPr lang="en-US"/>
           </a:p>
@@ -4930,7 +4930,7 @@
           <a:p>
             <a:fld id="{DCBDA1EB-ACCF-4B5A-8403-BA609812C6A8}" type="datetimeFigureOut">
               <a:rPr lang="en-US" smtClean="0"/>
-              <a:t>9/20/2024</a:t>
+              <a:t>9/26/2024</a:t>
             </a:fld>
             <a:endParaRPr lang="en-US"/>
           </a:p>
@@ -5043,7 +5043,7 @@
           <a:p>
             <a:fld id="{DCBDA1EB-ACCF-4B5A-8403-BA609812C6A8}" type="datetimeFigureOut">
               <a:rPr lang="en-US" smtClean="0"/>
-              <a:t>9/20/2024</a:t>
+              <a:t>9/26/2024</a:t>
             </a:fld>
             <a:endParaRPr lang="en-US"/>
           </a:p>
@@ -5356,7 +5356,7 @@
           <a:p>
             <a:fld id="{DCBDA1EB-ACCF-4B5A-8403-BA609812C6A8}" type="datetimeFigureOut">
               <a:rPr lang="en-US" smtClean="0"/>
-              <a:t>9/20/2024</a:t>
+              <a:t>9/26/2024</a:t>
             </a:fld>
             <a:endParaRPr lang="en-US"/>
           </a:p>
@@ -5602,7 +5602,7 @@
           <a:p>
             <a:fld id="{DCBDA1EB-ACCF-4B5A-8403-BA609812C6A8}" type="datetimeFigureOut">
               <a:rPr lang="en-US" smtClean="0"/>
-              <a:t>9/20/2024</a:t>
+              <a:t>9/26/2024</a:t>
             </a:fld>
             <a:endParaRPr lang="en-US"/>
           </a:p>
@@ -6825,6 +6825,17 @@
               <a:rPr lang="en-US" dirty="0"/>
               <a:t>Encapsulation</a:t>
             </a:r>
+          </a:p>
+          <a:p>
+            <a:pPr marL="571500" lvl="0" indent="-571500">
+              <a:buFont typeface="Arial" panose="020B0604020202020204" pitchFamily="34" charset="0"/>
+              <a:buChar char="•"/>
+            </a:pPr>
+            <a:r>
+              <a:rPr lang="en-US"/>
+              <a:t>Abstraction</a:t>
+            </a:r>
+            <a:endParaRPr lang="en-US" dirty="0"/>
           </a:p>
           <a:p>
             <a:pPr marL="571500" lvl="0" indent="-571500">
